--- a/Day 65/Unit Testing.pptx
+++ b/Day 65/Unit Testing.pptx
@@ -3660,12 +3660,20 @@
           <a:lstStyle/>
           <a:p>
             <a:r>
+              <a:rPr lang="en-US">
+                <a:latin typeface="Menlo" panose="020B0609030804020204" pitchFamily="49" charset="0"/>
+                <a:ea typeface="Menlo" panose="020B0609030804020204" pitchFamily="49" charset="0"/>
+                <a:cs typeface="Menlo" panose="020B0609030804020204" pitchFamily="49" charset="0"/>
+              </a:rPr>
+              <a:t>Testing </a:t>
+            </a:r>
+            <a:r>
               <a:rPr lang="en-US" dirty="0">
                 <a:latin typeface="Menlo" panose="020B0609030804020204" pitchFamily="49" charset="0"/>
                 <a:ea typeface="Menlo" panose="020B0609030804020204" pitchFamily="49" charset="0"/>
                 <a:cs typeface="Menlo" panose="020B0609030804020204" pitchFamily="49" charset="0"/>
               </a:rPr>
-              <a:t>Unit Testing (React)</a:t>
+              <a:t>(React)</a:t>
             </a:r>
           </a:p>
         </p:txBody>
